--- a/Scratch/lec02/lec02-1.pptx
+++ b/Scratch/lec02/lec02-1.pptx
@@ -5,7 +5,7 @@
     <p:sldMasterId id="2147483660" r:id="rId1"/>
   </p:sldMasterIdLst>
   <p:notesMasterIdLst>
-    <p:notesMasterId r:id="rId19"/>
+    <p:notesMasterId r:id="rId20"/>
   </p:notesMasterIdLst>
   <p:sldIdLst>
     <p:sldId id="256" r:id="rId2"/>
@@ -21,10 +21,11 @@
     <p:sldId id="265" r:id="rId12"/>
     <p:sldId id="288" r:id="rId13"/>
     <p:sldId id="289" r:id="rId14"/>
-    <p:sldId id="290" r:id="rId15"/>
-    <p:sldId id="284" r:id="rId16"/>
-    <p:sldId id="285" r:id="rId17"/>
-    <p:sldId id="286" r:id="rId18"/>
+    <p:sldId id="291" r:id="rId15"/>
+    <p:sldId id="292" r:id="rId16"/>
+    <p:sldId id="284" r:id="rId17"/>
+    <p:sldId id="285" r:id="rId18"/>
+    <p:sldId id="286" r:id="rId19"/>
   </p:sldIdLst>
   <p:sldSz cx="9144000" cy="6858000" type="screen4x3"/>
   <p:notesSz cx="6858000" cy="9144000"/>
@@ -213,7 +214,7 @@
           <a:p>
             <a:fld id="{47C58C89-C635-4A5B-818B-B53E449CBB86}" type="datetimeFigureOut">
               <a:rPr lang="en-US" smtClean="0"/>
-              <a:t>9/3/2016</a:t>
+              <a:t>9/5/2016</a:t>
             </a:fld>
             <a:endParaRPr lang="en-US"/>
           </a:p>
@@ -612,7 +613,7 @@
           <a:p>
             <a:fld id="{BCAE26AC-8325-4118-AF36-83F628A0884F}" type="datetime1">
               <a:rPr lang="en-US" smtClean="0"/>
-              <a:t>9/3/2016</a:t>
+              <a:t>9/5/2016</a:t>
             </a:fld>
             <a:endParaRPr lang="en-US"/>
           </a:p>
@@ -793,7 +794,7 @@
           <a:p>
             <a:fld id="{BCE76E3B-CFD0-4408-93FF-1D1509A59983}" type="datetime1">
               <a:rPr lang="en-US" smtClean="0"/>
-              <a:t>9/3/2016</a:t>
+              <a:t>9/5/2016</a:t>
             </a:fld>
             <a:endParaRPr lang="en-US"/>
           </a:p>
@@ -984,7 +985,7 @@
           <a:p>
             <a:fld id="{A8790E3C-B5E4-495F-82C4-2BD3E2919E59}" type="datetime1">
               <a:rPr lang="en-US" smtClean="0"/>
-              <a:t>9/3/2016</a:t>
+              <a:t>9/5/2016</a:t>
             </a:fld>
             <a:endParaRPr lang="en-US"/>
           </a:p>
@@ -1165,7 +1166,7 @@
           <a:p>
             <a:fld id="{C16E3A09-47EB-416E-B8FE-EE0C08383CF5}" type="datetime1">
               <a:rPr lang="en-US" smtClean="0"/>
-              <a:t>9/3/2016</a:t>
+              <a:t>9/5/2016</a:t>
             </a:fld>
             <a:endParaRPr lang="en-US"/>
           </a:p>
@@ -1420,7 +1421,7 @@
           <a:p>
             <a:fld id="{6A58C6D3-A847-439A-80D4-FD8FE69F1CBB}" type="datetime1">
               <a:rPr lang="en-US" smtClean="0"/>
-              <a:t>9/3/2016</a:t>
+              <a:t>9/5/2016</a:t>
             </a:fld>
             <a:endParaRPr lang="en-US"/>
           </a:p>
@@ -1662,7 +1663,7 @@
           <a:p>
             <a:fld id="{4FC2B786-E6D6-4C08-B6DD-552DDA11F97A}" type="datetime1">
               <a:rPr lang="en-US" smtClean="0"/>
-              <a:t>9/3/2016</a:t>
+              <a:t>9/5/2016</a:t>
             </a:fld>
             <a:endParaRPr lang="en-US"/>
           </a:p>
@@ -2040,7 +2041,7 @@
           <a:p>
             <a:fld id="{BFD76CA2-E8E9-412E-B4E8-811E051D3D83}" type="datetime1">
               <a:rPr lang="en-US" smtClean="0"/>
-              <a:t>9/3/2016</a:t>
+              <a:t>9/5/2016</a:t>
             </a:fld>
             <a:endParaRPr lang="en-US"/>
           </a:p>
@@ -2169,7 +2170,7 @@
           <a:p>
             <a:fld id="{AB023549-9AED-4630-B6AE-8A7DEA1BD99A}" type="datetime1">
               <a:rPr lang="en-US" smtClean="0"/>
-              <a:t>9/3/2016</a:t>
+              <a:t>9/5/2016</a:t>
             </a:fld>
             <a:endParaRPr lang="en-US"/>
           </a:p>
@@ -2275,7 +2276,7 @@
           <a:p>
             <a:fld id="{BC56C5AE-BBE3-47EA-AD52-2C0C58C80911}" type="datetime1">
               <a:rPr lang="en-US" smtClean="0"/>
-              <a:t>9/3/2016</a:t>
+              <a:t>9/5/2016</a:t>
             </a:fld>
             <a:endParaRPr lang="en-US"/>
           </a:p>
@@ -2563,7 +2564,7 @@
           <a:p>
             <a:fld id="{1859A73E-EA38-4558-9635-BA5B8A76D0E7}" type="datetime1">
               <a:rPr lang="en-US" smtClean="0"/>
-              <a:t>9/3/2016</a:t>
+              <a:t>9/5/2016</a:t>
             </a:fld>
             <a:endParaRPr lang="en-US"/>
           </a:p>
@@ -2831,7 +2832,7 @@
           <a:p>
             <a:fld id="{BCC43504-34CA-4AA8-9B3D-0A7A6EF194AE}" type="datetime1">
               <a:rPr lang="en-US" smtClean="0"/>
-              <a:t>9/3/2016</a:t>
+              <a:t>9/5/2016</a:t>
             </a:fld>
             <a:endParaRPr lang="en-US"/>
           </a:p>
@@ -3055,7 +3056,7 @@
           <a:p>
             <a:fld id="{18B0F8CC-DBD3-4EE9-9A8A-A52659625B14}" type="datetime1">
               <a:rPr lang="en-US" smtClean="0"/>
-              <a:t>9/3/2016</a:t>
+              <a:t>9/5/2016</a:t>
             </a:fld>
             <a:endParaRPr lang="en-US"/>
           </a:p>
@@ -4537,57 +4538,14 @@
       </p:sp>
       <p:sp>
         <p:nvSpPr>
-          <p:cNvPr id="6" name="標題 5"/>
-          <p:cNvSpPr>
-            <a:spLocks noGrp="1"/>
-          </p:cNvSpPr>
-          <p:nvPr>
-            <p:ph type="title"/>
-          </p:nvPr>
-        </p:nvSpPr>
-        <p:spPr/>
-        <p:txBody>
-          <a:bodyPr/>
-          <a:lstStyle/>
-          <a:p>
-            <a:endParaRPr lang="zh-TW" altLang="en-US"/>
-          </a:p>
-        </p:txBody>
-      </p:sp>
-      <p:pic>
-        <p:nvPicPr>
-          <p:cNvPr id="7" name="圖片 6"/>
-          <p:cNvPicPr>
-            <a:picLocks noChangeAspect="1"/>
-          </p:cNvPicPr>
-          <p:nvPr/>
-        </p:nvPicPr>
-        <p:blipFill>
-          <a:blip r:embed="rId2"/>
-          <a:stretch>
-            <a:fillRect/>
-          </a:stretch>
-        </p:blipFill>
-        <p:spPr>
-          <a:xfrm>
-            <a:off x="228600" y="39490"/>
-            <a:ext cx="8537330" cy="6761435"/>
-          </a:xfrm>
-          <a:prstGeom prst="rect">
-            <a:avLst/>
-          </a:prstGeom>
-        </p:spPr>
-      </p:pic>
-      <p:sp>
-        <p:nvSpPr>
-          <p:cNvPr id="8" name="文字方塊 7"/>
+          <p:cNvPr id="12" name="文字方塊 11"/>
           <p:cNvSpPr txBox="1"/>
           <p:nvPr/>
         </p:nvSpPr>
         <p:spPr>
           <a:xfrm>
-            <a:off x="2154116" y="3191608"/>
-            <a:ext cx="738554" cy="923330"/>
+            <a:off x="4188070" y="132848"/>
+            <a:ext cx="507022" cy="923330"/>
           </a:xfrm>
           <a:prstGeom prst="rect">
             <a:avLst/>
@@ -4630,16 +4588,88 @@
           </a:p>
         </p:txBody>
       </p:sp>
-      <p:sp>
-        <p:nvSpPr>
-          <p:cNvPr id="9" name="文字方塊 8"/>
+      <p:pic>
+        <p:nvPicPr>
+          <p:cNvPr id="2" name="圖片 1"/>
+          <p:cNvPicPr>
+            <a:picLocks noChangeAspect="1"/>
+          </p:cNvPicPr>
+          <p:nvPr/>
+        </p:nvPicPr>
+        <p:blipFill>
+          <a:blip r:embed="rId2"/>
+          <a:stretch>
+            <a:fillRect/>
+          </a:stretch>
+        </p:blipFill>
+        <p:spPr>
+          <a:xfrm>
+            <a:off x="1592143" y="284951"/>
+            <a:ext cx="2409825" cy="619125"/>
+          </a:xfrm>
+          <a:prstGeom prst="rect">
+            <a:avLst/>
+          </a:prstGeom>
+        </p:spPr>
+      </p:pic>
+      <p:pic>
+        <p:nvPicPr>
+          <p:cNvPr id="3" name="圖片 2"/>
+          <p:cNvPicPr>
+            <a:picLocks noChangeAspect="1"/>
+          </p:cNvPicPr>
+          <p:nvPr/>
+        </p:nvPicPr>
+        <p:blipFill>
+          <a:blip r:embed="rId3"/>
+          <a:stretch>
+            <a:fillRect/>
+          </a:stretch>
+        </p:blipFill>
+        <p:spPr>
+          <a:xfrm>
+            <a:off x="4917098" y="284287"/>
+            <a:ext cx="1543050" cy="609600"/>
+          </a:xfrm>
+          <a:prstGeom prst="rect">
+            <a:avLst/>
+          </a:prstGeom>
+        </p:spPr>
+      </p:pic>
+      <p:pic>
+        <p:nvPicPr>
+          <p:cNvPr id="14" name="圖片 13"/>
+          <p:cNvPicPr>
+            <a:picLocks noChangeAspect="1"/>
+          </p:cNvPicPr>
+          <p:nvPr/>
+        </p:nvPicPr>
+        <p:blipFill>
+          <a:blip r:embed="rId4"/>
+          <a:stretch>
+            <a:fillRect/>
+          </a:stretch>
+        </p:blipFill>
+        <p:spPr>
+          <a:xfrm>
+            <a:off x="1639767" y="1220300"/>
+            <a:ext cx="2314575" cy="619125"/>
+          </a:xfrm>
+          <a:prstGeom prst="rect">
+            <a:avLst/>
+          </a:prstGeom>
+        </p:spPr>
+      </p:pic>
+      <p:sp>
+        <p:nvSpPr>
+          <p:cNvPr id="15" name="文字方塊 14"/>
           <p:cNvSpPr txBox="1"/>
           <p:nvPr/>
         </p:nvSpPr>
         <p:spPr>
           <a:xfrm>
-            <a:off x="4372709" y="3191608"/>
-            <a:ext cx="738554" cy="923330"/>
+            <a:off x="4188070" y="1068197"/>
+            <a:ext cx="507022" cy="923330"/>
           </a:xfrm>
           <a:prstGeom prst="rect">
             <a:avLst/>
@@ -4682,16 +4712,40 @@
           </a:p>
         </p:txBody>
       </p:sp>
-      <p:sp>
-        <p:nvSpPr>
-          <p:cNvPr id="10" name="文字方塊 9"/>
+      <p:pic>
+        <p:nvPicPr>
+          <p:cNvPr id="16" name="圖片 15"/>
+          <p:cNvPicPr>
+            <a:picLocks noChangeAspect="1"/>
+          </p:cNvPicPr>
+          <p:nvPr/>
+        </p:nvPicPr>
+        <p:blipFill>
+          <a:blip r:embed="rId5"/>
+          <a:stretch>
+            <a:fillRect/>
+          </a:stretch>
+        </p:blipFill>
+        <p:spPr>
+          <a:xfrm>
+            <a:off x="4917098" y="1220300"/>
+            <a:ext cx="2305050" cy="1066800"/>
+          </a:xfrm>
+          <a:prstGeom prst="rect">
+            <a:avLst/>
+          </a:prstGeom>
+        </p:spPr>
+      </p:pic>
+      <p:sp>
+        <p:nvSpPr>
+          <p:cNvPr id="17" name="文字方塊 16"/>
           <p:cNvSpPr txBox="1"/>
           <p:nvPr/>
         </p:nvSpPr>
         <p:spPr>
           <a:xfrm>
-            <a:off x="6748096" y="3191608"/>
-            <a:ext cx="738554" cy="923330"/>
+            <a:off x="4188070" y="2495171"/>
+            <a:ext cx="507022" cy="923330"/>
           </a:xfrm>
           <a:prstGeom prst="rect">
             <a:avLst/>
@@ -4734,16 +4788,112 @@
           </a:p>
         </p:txBody>
       </p:sp>
-      <p:sp>
-        <p:nvSpPr>
-          <p:cNvPr id="11" name="文字方塊 10"/>
+      <p:pic>
+        <p:nvPicPr>
+          <p:cNvPr id="18" name="圖片 17"/>
+          <p:cNvPicPr>
+            <a:picLocks noChangeAspect="1"/>
+          </p:cNvPicPr>
+          <p:nvPr/>
+        </p:nvPicPr>
+        <p:blipFill>
+          <a:blip r:embed="rId6"/>
+          <a:stretch>
+            <a:fillRect/>
+          </a:stretch>
+        </p:blipFill>
+        <p:spPr>
+          <a:xfrm>
+            <a:off x="1649293" y="2670170"/>
+            <a:ext cx="2352675" cy="571500"/>
+          </a:xfrm>
+          <a:prstGeom prst="rect">
+            <a:avLst/>
+          </a:prstGeom>
+        </p:spPr>
+      </p:pic>
+      <p:pic>
+        <p:nvPicPr>
+          <p:cNvPr id="19" name="圖片 18"/>
+          <p:cNvPicPr>
+            <a:picLocks noChangeAspect="1"/>
+          </p:cNvPicPr>
+          <p:nvPr/>
+        </p:nvPicPr>
+        <p:blipFill>
+          <a:blip r:embed="rId7"/>
+          <a:stretch>
+            <a:fillRect/>
+          </a:stretch>
+        </p:blipFill>
+        <p:spPr>
+          <a:xfrm>
+            <a:off x="4917098" y="2670170"/>
+            <a:ext cx="2286000" cy="1057275"/>
+          </a:xfrm>
+          <a:prstGeom prst="rect">
+            <a:avLst/>
+          </a:prstGeom>
+        </p:spPr>
+      </p:pic>
+      <p:pic>
+        <p:nvPicPr>
+          <p:cNvPr id="6" name="圖片 5"/>
+          <p:cNvPicPr>
+            <a:picLocks noChangeAspect="1"/>
+          </p:cNvPicPr>
+          <p:nvPr/>
+        </p:nvPicPr>
+        <p:blipFill>
+          <a:blip r:embed="rId8"/>
+          <a:stretch>
+            <a:fillRect/>
+          </a:stretch>
+        </p:blipFill>
+        <p:spPr>
+          <a:xfrm>
+            <a:off x="4914900" y="4064708"/>
+            <a:ext cx="2343150" cy="2066925"/>
+          </a:xfrm>
+          <a:prstGeom prst="rect">
+            <a:avLst/>
+          </a:prstGeom>
+        </p:spPr>
+      </p:pic>
+      <p:pic>
+        <p:nvPicPr>
+          <p:cNvPr id="20" name="圖片 19"/>
+          <p:cNvPicPr>
+            <a:picLocks noChangeAspect="1"/>
+          </p:cNvPicPr>
+          <p:nvPr/>
+        </p:nvPicPr>
+        <p:blipFill>
+          <a:blip r:embed="rId7"/>
+          <a:stretch>
+            <a:fillRect/>
+          </a:stretch>
+        </p:blipFill>
+        <p:spPr>
+          <a:xfrm>
+            <a:off x="1639767" y="4072415"/>
+            <a:ext cx="2286000" cy="1057275"/>
+          </a:xfrm>
+          <a:prstGeom prst="rect">
+            <a:avLst/>
+          </a:prstGeom>
+        </p:spPr>
+      </p:pic>
+      <p:sp>
+        <p:nvSpPr>
+          <p:cNvPr id="21" name="文字方塊 20"/>
           <p:cNvSpPr txBox="1"/>
           <p:nvPr/>
         </p:nvSpPr>
         <p:spPr>
           <a:xfrm>
-            <a:off x="2086708" y="1163516"/>
-            <a:ext cx="738554" cy="923330"/>
+            <a:off x="4188070" y="4026506"/>
+            <a:ext cx="507022" cy="923330"/>
           </a:xfrm>
           <a:prstGeom prst="rect">
             <a:avLst/>
@@ -4786,114 +4936,10 @@
           </a:p>
         </p:txBody>
       </p:sp>
-      <p:sp>
-        <p:nvSpPr>
-          <p:cNvPr id="12" name="文字方塊 11"/>
-          <p:cNvSpPr txBox="1"/>
-          <p:nvPr/>
-        </p:nvSpPr>
-        <p:spPr>
-          <a:xfrm>
-            <a:off x="4372709" y="1147572"/>
-            <a:ext cx="738554" cy="923330"/>
-          </a:xfrm>
-          <a:prstGeom prst="rect">
-            <a:avLst/>
-          </a:prstGeom>
-          <a:noFill/>
-        </p:spPr>
-        <p:txBody>
-          <a:bodyPr wrap="square" rtlCol="0">
-            <a:spAutoFit/>
-          </a:bodyPr>
-          <a:lstStyle/>
-          <a:p>
-            <a:r>
-              <a:rPr lang="en-US" altLang="zh-TW" sz="5400" b="1" dirty="0" smtClean="0">
-                <a:solidFill>
-                  <a:srgbClr val="FF0000"/>
-                </a:solidFill>
-                <a:effectLst>
-                  <a:outerShdw blurRad="38100" dist="38100" dir="2700000" algn="tl">
-                    <a:srgbClr val="000000">
-                      <a:alpha val="43137"/>
-                    </a:srgbClr>
-                  </a:outerShdw>
-                </a:effectLst>
-              </a:rPr>
-              <a:t>=</a:t>
-            </a:r>
-            <a:endParaRPr lang="zh-TW" altLang="en-US" sz="5400" b="1" dirty="0">
-              <a:solidFill>
-                <a:srgbClr val="FF0000"/>
-              </a:solidFill>
-              <a:effectLst>
-                <a:outerShdw blurRad="38100" dist="38100" dir="2700000" algn="tl">
-                  <a:srgbClr val="000000">
-                    <a:alpha val="43137"/>
-                  </a:srgbClr>
-                </a:outerShdw>
-              </a:effectLst>
-            </a:endParaRPr>
-          </a:p>
-        </p:txBody>
-      </p:sp>
-      <p:sp>
-        <p:nvSpPr>
-          <p:cNvPr id="13" name="文字方塊 12"/>
-          <p:cNvSpPr txBox="1"/>
-          <p:nvPr/>
-        </p:nvSpPr>
-        <p:spPr>
-          <a:xfrm>
-            <a:off x="2131403" y="240186"/>
-            <a:ext cx="738554" cy="923330"/>
-          </a:xfrm>
-          <a:prstGeom prst="rect">
-            <a:avLst/>
-          </a:prstGeom>
-          <a:noFill/>
-        </p:spPr>
-        <p:txBody>
-          <a:bodyPr wrap="square" rtlCol="0">
-            <a:spAutoFit/>
-          </a:bodyPr>
-          <a:lstStyle/>
-          <a:p>
-            <a:r>
-              <a:rPr lang="en-US" altLang="zh-TW" sz="5400" b="1" dirty="0" smtClean="0">
-                <a:solidFill>
-                  <a:srgbClr val="FF0000"/>
-                </a:solidFill>
-                <a:effectLst>
-                  <a:outerShdw blurRad="38100" dist="38100" dir="2700000" algn="tl">
-                    <a:srgbClr val="000000">
-                      <a:alpha val="43137"/>
-                    </a:srgbClr>
-                  </a:outerShdw>
-                </a:effectLst>
-              </a:rPr>
-              <a:t>=</a:t>
-            </a:r>
-            <a:endParaRPr lang="zh-TW" altLang="en-US" sz="5400" b="1" dirty="0">
-              <a:solidFill>
-                <a:srgbClr val="FF0000"/>
-              </a:solidFill>
-              <a:effectLst>
-                <a:outerShdw blurRad="38100" dist="38100" dir="2700000" algn="tl">
-                  <a:srgbClr val="000000">
-                    <a:alpha val="43137"/>
-                  </a:srgbClr>
-                </a:outerShdw>
-              </a:effectLst>
-            </a:endParaRPr>
-          </a:p>
-        </p:txBody>
-      </p:sp>
     </p:spTree>
     <p:extLst>
       <p:ext uri="{BB962C8B-B14F-4D97-AF65-F5344CB8AC3E}">
-        <p14:creationId xmlns:p14="http://schemas.microsoft.com/office/powerpoint/2010/main" val="2092752417"/>
+        <p14:creationId xmlns:p14="http://schemas.microsoft.com/office/powerpoint/2010/main" val="872426154"/>
       </p:ext>
     </p:extLst>
   </p:cSld>
@@ -4922,95 +4968,7 @@
       </p:grpSpPr>
       <p:sp>
         <p:nvSpPr>
-          <p:cNvPr id="2" name="Title 1"/>
-          <p:cNvSpPr>
-            <a:spLocks noGrp="1"/>
-          </p:cNvSpPr>
-          <p:nvPr>
-            <p:ph type="title"/>
-          </p:nvPr>
-        </p:nvSpPr>
-        <p:spPr/>
-        <p:txBody>
-          <a:bodyPr/>
-          <a:lstStyle/>
-          <a:p>
-            <a:r>
-              <a:rPr lang="zh-TW" altLang="en-US" dirty="0" smtClean="0"/>
-              <a:t>老師目前的極限</a:t>
-            </a:r>
-            <a:endParaRPr lang="zh-TW" altLang="en-US" dirty="0"/>
-          </a:p>
-        </p:txBody>
-      </p:sp>
-      <p:sp>
-        <p:nvSpPr>
-          <p:cNvPr id="3" name="Content Placeholder 2"/>
-          <p:cNvSpPr>
-            <a:spLocks noGrp="1"/>
-          </p:cNvSpPr>
-          <p:nvPr>
-            <p:ph idx="1"/>
-          </p:nvPr>
-        </p:nvSpPr>
-        <p:spPr/>
-        <p:txBody>
-          <a:bodyPr/>
-          <a:lstStyle/>
-          <a:p>
-            <a:r>
-              <a:rPr lang="zh-TW" altLang="en-US" dirty="0" smtClean="0"/>
-              <a:t>老師不知道該怎樣讀取畫布的顏色</a:t>
-            </a:r>
-            <a:endParaRPr lang="en-US" altLang="zh-TW" dirty="0" smtClean="0"/>
-          </a:p>
-          <a:p>
-            <a:pPr lvl="1"/>
-            <a:r>
-              <a:rPr lang="zh-TW" altLang="en-US" dirty="0" smtClean="0"/>
-              <a:t>因此不知道該如何有效率的將一塊區域塗色</a:t>
-            </a:r>
-            <a:endParaRPr lang="en-US" altLang="zh-TW" dirty="0" smtClean="0"/>
-          </a:p>
-          <a:p>
-            <a:r>
-              <a:rPr lang="zh-TW" altLang="en-US" dirty="0" smtClean="0"/>
-              <a:t>老師不知道該怎樣改變畫筆的形狀</a:t>
-            </a:r>
-            <a:endParaRPr lang="en-US" altLang="zh-TW" dirty="0" smtClean="0"/>
-          </a:p>
-          <a:p>
-            <a:pPr lvl="1"/>
-            <a:r>
-              <a:rPr lang="zh-TW" altLang="en-US" dirty="0"/>
-              <a:t>目</a:t>
-            </a:r>
-            <a:r>
-              <a:rPr lang="zh-TW" altLang="en-US" dirty="0" smtClean="0"/>
-              <a:t>前為止老師只會用圓形的筆尖畫圖</a:t>
-            </a:r>
-            <a:endParaRPr lang="en-US" altLang="zh-TW" dirty="0" smtClean="0"/>
-          </a:p>
-          <a:p>
-            <a:r>
-              <a:rPr lang="zh-TW" altLang="en-US" dirty="0" smtClean="0"/>
-              <a:t>老師不知道該怎樣製作可以替代運算的積木</a:t>
-            </a:r>
-            <a:endParaRPr lang="en-US" altLang="zh-TW" dirty="0" smtClean="0"/>
-          </a:p>
-          <a:p>
-            <a:pPr lvl="1"/>
-            <a:r>
-              <a:rPr lang="zh-TW" altLang="en-US" dirty="0" smtClean="0"/>
-              <a:t>目前為止老師只會透過自訂積木設計指令，不會設計可以嵌進其他積木的自訂積木。</a:t>
-            </a:r>
-            <a:endParaRPr lang="zh-TW" altLang="en-US" dirty="0"/>
-          </a:p>
-        </p:txBody>
-      </p:sp>
-      <p:sp>
-        <p:nvSpPr>
-          <p:cNvPr id="4" name="Footer Placeholder 3"/>
+          <p:cNvPr id="4" name="頁尾版面配置區 3"/>
           <p:cNvSpPr>
             <a:spLocks noGrp="1"/>
           </p:cNvSpPr>
@@ -5033,7 +4991,7 @@
       </p:sp>
       <p:sp>
         <p:nvSpPr>
-          <p:cNvPr id="5" name="Slide Number Placeholder 4"/>
+          <p:cNvPr id="5" name="投影片編號版面配置區 4"/>
           <p:cNvSpPr>
             <a:spLocks noGrp="1"/>
           </p:cNvSpPr>
@@ -5056,7 +5014,7 @@
       </p:sp>
       <p:pic>
         <p:nvPicPr>
-          <p:cNvPr id="6" name="Picture 5"/>
+          <p:cNvPr id="6" name="圖片 5"/>
           <p:cNvPicPr>
             <a:picLocks noChangeAspect="1"/>
           </p:cNvPicPr>
@@ -5070,8 +5028,8 @@
         </p:blipFill>
         <p:spPr>
           <a:xfrm>
-            <a:off x="2633663" y="4801159"/>
-            <a:ext cx="552450" cy="285750"/>
+            <a:off x="1873496" y="1216932"/>
+            <a:ext cx="2409825" cy="619125"/>
           </a:xfrm>
           <a:prstGeom prst="rect">
             <a:avLst/>
@@ -5080,7 +5038,7 @@
       </p:pic>
       <p:pic>
         <p:nvPicPr>
-          <p:cNvPr id="7" name="Picture 6"/>
+          <p:cNvPr id="7" name="圖片 6"/>
           <p:cNvPicPr>
             <a:picLocks noChangeAspect="1"/>
           </p:cNvPicPr>
@@ -5094,24 +5052,48 @@
         </p:blipFill>
         <p:spPr>
           <a:xfrm>
-            <a:off x="5191126" y="4824454"/>
-            <a:ext cx="923925" cy="295275"/>
+            <a:off x="5198451" y="1216268"/>
+            <a:ext cx="1543050" cy="609600"/>
           </a:xfrm>
           <a:prstGeom prst="rect">
             <a:avLst/>
           </a:prstGeom>
         </p:spPr>
       </p:pic>
-      <p:sp>
-        <p:nvSpPr>
-          <p:cNvPr id="8" name="TextBox 7"/>
+      <p:pic>
+        <p:nvPicPr>
+          <p:cNvPr id="8" name="圖片 7"/>
+          <p:cNvPicPr>
+            <a:picLocks noChangeAspect="1"/>
+          </p:cNvPicPr>
+          <p:nvPr/>
+        </p:nvPicPr>
+        <p:blipFill>
+          <a:blip r:embed="rId4"/>
+          <a:stretch>
+            <a:fillRect/>
+          </a:stretch>
+        </p:blipFill>
+        <p:spPr>
+          <a:xfrm>
+            <a:off x="1921120" y="2152281"/>
+            <a:ext cx="2314575" cy="619125"/>
+          </a:xfrm>
+          <a:prstGeom prst="rect">
+            <a:avLst/>
+          </a:prstGeom>
+        </p:spPr>
+      </p:pic>
+      <p:sp>
+        <p:nvSpPr>
+          <p:cNvPr id="9" name="文字方塊 8"/>
           <p:cNvSpPr txBox="1"/>
           <p:nvPr/>
         </p:nvSpPr>
         <p:spPr>
           <a:xfrm>
-            <a:off x="2246742" y="5119729"/>
-            <a:ext cx="1326292" cy="369332"/>
+            <a:off x="4469423" y="2000178"/>
+            <a:ext cx="507022" cy="923330"/>
           </a:xfrm>
           <a:prstGeom prst="rect">
             <a:avLst/>
@@ -5125,26 +5107,45 @@
           <a:lstStyle/>
           <a:p>
             <a:r>
-              <a:rPr lang="zh-TW" altLang="en-US" dirty="0" smtClean="0"/>
-              <a:t>塞不進這</a:t>
-            </a:r>
-            <a:r>
-              <a:rPr lang="zh-TW" altLang="en-US" dirty="0"/>
-              <a:t>裡</a:t>
-            </a:r>
-          </a:p>
-        </p:txBody>
-      </p:sp>
-      <p:sp>
-        <p:nvSpPr>
-          <p:cNvPr id="9" name="TextBox 8"/>
+              <a:rPr lang="en-US" altLang="zh-TW" sz="5400" b="1" dirty="0" smtClean="0">
+                <a:solidFill>
+                  <a:srgbClr val="FF0000"/>
+                </a:solidFill>
+                <a:effectLst>
+                  <a:outerShdw blurRad="38100" dist="38100" dir="2700000" algn="tl">
+                    <a:srgbClr val="000000">
+                      <a:alpha val="43137"/>
+                    </a:srgbClr>
+                  </a:outerShdw>
+                </a:effectLst>
+              </a:rPr>
+              <a:t>=</a:t>
+            </a:r>
+            <a:endParaRPr lang="zh-TW" altLang="en-US" sz="5400" b="1" dirty="0">
+              <a:solidFill>
+                <a:srgbClr val="FF0000"/>
+              </a:solidFill>
+              <a:effectLst>
+                <a:outerShdw blurRad="38100" dist="38100" dir="2700000" algn="tl">
+                  <a:srgbClr val="000000">
+                    <a:alpha val="43137"/>
+                  </a:srgbClr>
+                </a:outerShdw>
+              </a:effectLst>
+            </a:endParaRPr>
+          </a:p>
+        </p:txBody>
+      </p:sp>
+      <p:sp>
+        <p:nvSpPr>
+          <p:cNvPr id="11" name="文字方塊 10"/>
           <p:cNvSpPr txBox="1"/>
           <p:nvPr/>
         </p:nvSpPr>
         <p:spPr>
           <a:xfrm>
-            <a:off x="4769707" y="5125156"/>
-            <a:ext cx="1589903" cy="369332"/>
+            <a:off x="4469423" y="3427152"/>
+            <a:ext cx="507022" cy="923330"/>
           </a:xfrm>
           <a:prstGeom prst="rect">
             <a:avLst/>
@@ -5158,24 +5159,163 @@
           <a:lstStyle/>
           <a:p>
             <a:r>
-              <a:rPr lang="zh-TW" altLang="en-US" dirty="0"/>
-              <a:t>也</a:t>
-            </a:r>
-            <a:r>
-              <a:rPr lang="zh-TW" altLang="en-US" dirty="0" smtClean="0"/>
-              <a:t>塞不進這</a:t>
-            </a:r>
-            <a:r>
-              <a:rPr lang="zh-TW" altLang="en-US" dirty="0"/>
-              <a:t>裡</a:t>
-            </a:r>
-          </a:p>
-        </p:txBody>
-      </p:sp>
+              <a:rPr lang="en-US" altLang="zh-TW" sz="5400" b="1" dirty="0" smtClean="0">
+                <a:solidFill>
+                  <a:srgbClr val="FF0000"/>
+                </a:solidFill>
+                <a:effectLst>
+                  <a:outerShdw blurRad="38100" dist="38100" dir="2700000" algn="tl">
+                    <a:srgbClr val="000000">
+                      <a:alpha val="43137"/>
+                    </a:srgbClr>
+                  </a:outerShdw>
+                </a:effectLst>
+              </a:rPr>
+              <a:t>=</a:t>
+            </a:r>
+            <a:endParaRPr lang="zh-TW" altLang="en-US" sz="5400" b="1" dirty="0">
+              <a:solidFill>
+                <a:srgbClr val="FF0000"/>
+              </a:solidFill>
+              <a:effectLst>
+                <a:outerShdw blurRad="38100" dist="38100" dir="2700000" algn="tl">
+                  <a:srgbClr val="000000">
+                    <a:alpha val="43137"/>
+                  </a:srgbClr>
+                </a:outerShdw>
+              </a:effectLst>
+            </a:endParaRPr>
+          </a:p>
+        </p:txBody>
+      </p:sp>
+      <p:pic>
+        <p:nvPicPr>
+          <p:cNvPr id="12" name="圖片 11"/>
+          <p:cNvPicPr>
+            <a:picLocks noChangeAspect="1"/>
+          </p:cNvPicPr>
+          <p:nvPr/>
+        </p:nvPicPr>
+        <p:blipFill>
+          <a:blip r:embed="rId5"/>
+          <a:stretch>
+            <a:fillRect/>
+          </a:stretch>
+        </p:blipFill>
+        <p:spPr>
+          <a:xfrm>
+            <a:off x="1930646" y="3602151"/>
+            <a:ext cx="2352675" cy="571500"/>
+          </a:xfrm>
+          <a:prstGeom prst="rect">
+            <a:avLst/>
+          </a:prstGeom>
+        </p:spPr>
+      </p:pic>
+      <p:pic>
+        <p:nvPicPr>
+          <p:cNvPr id="14" name="圖片 13"/>
+          <p:cNvPicPr>
+            <a:picLocks noChangeAspect="1"/>
+          </p:cNvPicPr>
+          <p:nvPr/>
+        </p:nvPicPr>
+        <p:blipFill>
+          <a:blip r:embed="rId6"/>
+          <a:stretch>
+            <a:fillRect/>
+          </a:stretch>
+        </p:blipFill>
+        <p:spPr>
+          <a:xfrm>
+            <a:off x="5198451" y="2152281"/>
+            <a:ext cx="1466850" cy="1076325"/>
+          </a:xfrm>
+          <a:prstGeom prst="rect">
+            <a:avLst/>
+          </a:prstGeom>
+        </p:spPr>
+      </p:pic>
+      <p:sp>
+        <p:nvSpPr>
+          <p:cNvPr id="15" name="文字方塊 14"/>
+          <p:cNvSpPr txBox="1"/>
+          <p:nvPr/>
+        </p:nvSpPr>
+        <p:spPr>
+          <a:xfrm>
+            <a:off x="4469423" y="1064829"/>
+            <a:ext cx="507022" cy="923330"/>
+          </a:xfrm>
+          <a:prstGeom prst="rect">
+            <a:avLst/>
+          </a:prstGeom>
+          <a:noFill/>
+        </p:spPr>
+        <p:txBody>
+          <a:bodyPr wrap="square" rtlCol="0">
+            <a:spAutoFit/>
+          </a:bodyPr>
+          <a:lstStyle/>
+          <a:p>
+            <a:r>
+              <a:rPr lang="en-US" altLang="zh-TW" sz="5400" b="1" dirty="0" smtClean="0">
+                <a:solidFill>
+                  <a:srgbClr val="FF0000"/>
+                </a:solidFill>
+                <a:effectLst>
+                  <a:outerShdw blurRad="38100" dist="38100" dir="2700000" algn="tl">
+                    <a:srgbClr val="000000">
+                      <a:alpha val="43137"/>
+                    </a:srgbClr>
+                  </a:outerShdw>
+                </a:effectLst>
+              </a:rPr>
+              <a:t>=</a:t>
+            </a:r>
+            <a:endParaRPr lang="zh-TW" altLang="en-US" sz="5400" b="1" dirty="0">
+              <a:solidFill>
+                <a:srgbClr val="FF0000"/>
+              </a:solidFill>
+              <a:effectLst>
+                <a:outerShdw blurRad="38100" dist="38100" dir="2700000" algn="tl">
+                  <a:srgbClr val="000000">
+                    <a:alpha val="43137"/>
+                  </a:srgbClr>
+                </a:outerShdw>
+              </a:effectLst>
+            </a:endParaRPr>
+          </a:p>
+        </p:txBody>
+      </p:sp>
+      <p:pic>
+        <p:nvPicPr>
+          <p:cNvPr id="16" name="圖片 15"/>
+          <p:cNvPicPr>
+            <a:picLocks noChangeAspect="1"/>
+          </p:cNvPicPr>
+          <p:nvPr/>
+        </p:nvPicPr>
+        <p:blipFill>
+          <a:blip r:embed="rId7"/>
+          <a:stretch>
+            <a:fillRect/>
+          </a:stretch>
+        </p:blipFill>
+        <p:spPr>
+          <a:xfrm>
+            <a:off x="5198451" y="3602151"/>
+            <a:ext cx="1457325" cy="2028825"/>
+          </a:xfrm>
+          <a:prstGeom prst="rect">
+            <a:avLst/>
+          </a:prstGeom>
+        </p:spPr>
+      </p:pic>
     </p:spTree>
     <p:extLst>
       <p:ext uri="{BB962C8B-B14F-4D97-AF65-F5344CB8AC3E}">
-        <p14:creationId xmlns:p14="http://schemas.microsoft.com/office/powerpoint/2010/main" val="3126235146"/>
+        <p14:creationId xmlns:p14="http://schemas.microsoft.com/office/powerpoint/2010/main" val="1592792653"/>
       </p:ext>
     </p:extLst>
   </p:cSld>
@@ -5219,7 +5359,72 @@
           <a:p>
             <a:r>
               <a:rPr lang="zh-TW" altLang="en-US" dirty="0" smtClean="0"/>
-              <a:t>介面功能</a:t>
+              <a:t>老師目前的極限</a:t>
+            </a:r>
+            <a:endParaRPr lang="zh-TW" altLang="en-US" dirty="0"/>
+          </a:p>
+        </p:txBody>
+      </p:sp>
+      <p:sp>
+        <p:nvSpPr>
+          <p:cNvPr id="3" name="Content Placeholder 2"/>
+          <p:cNvSpPr>
+            <a:spLocks noGrp="1"/>
+          </p:cNvSpPr>
+          <p:nvPr>
+            <p:ph idx="1"/>
+          </p:nvPr>
+        </p:nvSpPr>
+        <p:spPr/>
+        <p:txBody>
+          <a:bodyPr/>
+          <a:lstStyle/>
+          <a:p>
+            <a:r>
+              <a:rPr lang="zh-TW" altLang="en-US" dirty="0" smtClean="0"/>
+              <a:t>老師不知道該怎樣讀取畫布的顏色</a:t>
+            </a:r>
+            <a:endParaRPr lang="en-US" altLang="zh-TW" dirty="0" smtClean="0"/>
+          </a:p>
+          <a:p>
+            <a:pPr lvl="1"/>
+            <a:r>
+              <a:rPr lang="zh-TW" altLang="en-US" dirty="0" smtClean="0"/>
+              <a:t>因此不知道該如何有效率的將一塊區域塗色</a:t>
+            </a:r>
+            <a:endParaRPr lang="en-US" altLang="zh-TW" dirty="0" smtClean="0"/>
+          </a:p>
+          <a:p>
+            <a:r>
+              <a:rPr lang="zh-TW" altLang="en-US" dirty="0" smtClean="0"/>
+              <a:t>老師不知道該怎樣改變畫筆的形狀</a:t>
+            </a:r>
+            <a:endParaRPr lang="en-US" altLang="zh-TW" dirty="0" smtClean="0"/>
+          </a:p>
+          <a:p>
+            <a:pPr lvl="1"/>
+            <a:r>
+              <a:rPr lang="zh-TW" altLang="en-US" dirty="0"/>
+              <a:t>目</a:t>
+            </a:r>
+            <a:r>
+              <a:rPr lang="zh-TW" altLang="en-US" dirty="0" smtClean="0"/>
+              <a:t>前為止老師只會用圓形的筆尖畫圖</a:t>
+            </a:r>
+            <a:endParaRPr lang="en-US" altLang="zh-TW" dirty="0" smtClean="0"/>
+          </a:p>
+          <a:p>
+            <a:r>
+              <a:rPr lang="zh-TW" altLang="en-US" dirty="0" smtClean="0"/>
+              <a:t>老師不知道該怎樣製作可以替代運算的積木</a:t>
+            </a:r>
+            <a:endParaRPr lang="en-US" altLang="zh-TW" dirty="0" smtClean="0"/>
+          </a:p>
+          <a:p>
+            <a:pPr lvl="1"/>
+            <a:r>
+              <a:rPr lang="zh-TW" altLang="en-US" dirty="0" smtClean="0"/>
+              <a:t>目前為止老師只會透過自訂積木設計指令，不會設計可以嵌進其他積木的自訂積木。</a:t>
             </a:r>
             <a:endParaRPr lang="zh-TW" altLang="en-US" dirty="0"/>
           </a:p>
@@ -5266,6 +5471,223 @@
             <a:fld id="{8B32F77D-7D5C-49FA-A45E-9AA1DBA4A1E0}" type="slidenum">
               <a:rPr lang="en-US" smtClean="0"/>
               <a:t>16</a:t>
+            </a:fld>
+            <a:endParaRPr lang="en-US"/>
+          </a:p>
+        </p:txBody>
+      </p:sp>
+      <p:pic>
+        <p:nvPicPr>
+          <p:cNvPr id="6" name="Picture 5"/>
+          <p:cNvPicPr>
+            <a:picLocks noChangeAspect="1"/>
+          </p:cNvPicPr>
+          <p:nvPr/>
+        </p:nvPicPr>
+        <p:blipFill>
+          <a:blip r:embed="rId2"/>
+          <a:stretch>
+            <a:fillRect/>
+          </a:stretch>
+        </p:blipFill>
+        <p:spPr>
+          <a:xfrm>
+            <a:off x="2633663" y="4801159"/>
+            <a:ext cx="552450" cy="285750"/>
+          </a:xfrm>
+          <a:prstGeom prst="rect">
+            <a:avLst/>
+          </a:prstGeom>
+        </p:spPr>
+      </p:pic>
+      <p:pic>
+        <p:nvPicPr>
+          <p:cNvPr id="7" name="Picture 6"/>
+          <p:cNvPicPr>
+            <a:picLocks noChangeAspect="1"/>
+          </p:cNvPicPr>
+          <p:nvPr/>
+        </p:nvPicPr>
+        <p:blipFill>
+          <a:blip r:embed="rId3"/>
+          <a:stretch>
+            <a:fillRect/>
+          </a:stretch>
+        </p:blipFill>
+        <p:spPr>
+          <a:xfrm>
+            <a:off x="5191126" y="4824454"/>
+            <a:ext cx="923925" cy="295275"/>
+          </a:xfrm>
+          <a:prstGeom prst="rect">
+            <a:avLst/>
+          </a:prstGeom>
+        </p:spPr>
+      </p:pic>
+      <p:sp>
+        <p:nvSpPr>
+          <p:cNvPr id="8" name="TextBox 7"/>
+          <p:cNvSpPr txBox="1"/>
+          <p:nvPr/>
+        </p:nvSpPr>
+        <p:spPr>
+          <a:xfrm>
+            <a:off x="2246742" y="5119729"/>
+            <a:ext cx="1326292" cy="369332"/>
+          </a:xfrm>
+          <a:prstGeom prst="rect">
+            <a:avLst/>
+          </a:prstGeom>
+          <a:noFill/>
+        </p:spPr>
+        <p:txBody>
+          <a:bodyPr wrap="square" rtlCol="0">
+            <a:spAutoFit/>
+          </a:bodyPr>
+          <a:lstStyle/>
+          <a:p>
+            <a:r>
+              <a:rPr lang="zh-TW" altLang="en-US" dirty="0" smtClean="0"/>
+              <a:t>塞不進這</a:t>
+            </a:r>
+            <a:r>
+              <a:rPr lang="zh-TW" altLang="en-US" dirty="0"/>
+              <a:t>裡</a:t>
+            </a:r>
+          </a:p>
+        </p:txBody>
+      </p:sp>
+      <p:sp>
+        <p:nvSpPr>
+          <p:cNvPr id="9" name="TextBox 8"/>
+          <p:cNvSpPr txBox="1"/>
+          <p:nvPr/>
+        </p:nvSpPr>
+        <p:spPr>
+          <a:xfrm>
+            <a:off x="4769707" y="5125156"/>
+            <a:ext cx="1589903" cy="369332"/>
+          </a:xfrm>
+          <a:prstGeom prst="rect">
+            <a:avLst/>
+          </a:prstGeom>
+          <a:noFill/>
+        </p:spPr>
+        <p:txBody>
+          <a:bodyPr wrap="square" rtlCol="0">
+            <a:spAutoFit/>
+          </a:bodyPr>
+          <a:lstStyle/>
+          <a:p>
+            <a:r>
+              <a:rPr lang="zh-TW" altLang="en-US" dirty="0"/>
+              <a:t>也</a:t>
+            </a:r>
+            <a:r>
+              <a:rPr lang="zh-TW" altLang="en-US" dirty="0" smtClean="0"/>
+              <a:t>塞不進這</a:t>
+            </a:r>
+            <a:r>
+              <a:rPr lang="zh-TW" altLang="en-US" dirty="0"/>
+              <a:t>裡</a:t>
+            </a:r>
+          </a:p>
+        </p:txBody>
+      </p:sp>
+    </p:spTree>
+    <p:extLst>
+      <p:ext uri="{BB962C8B-B14F-4D97-AF65-F5344CB8AC3E}">
+        <p14:creationId xmlns:p14="http://schemas.microsoft.com/office/powerpoint/2010/main" val="3126235146"/>
+      </p:ext>
+    </p:extLst>
+  </p:cSld>
+  <p:clrMapOvr>
+    <a:masterClrMapping/>
+  </p:clrMapOvr>
+</p:sld>
+</file>
+
+<file path=ppt/slides/slide17.xml><?xml version="1.0" encoding="utf-8"?>
+<p:sld xmlns:a="http://schemas.openxmlformats.org/drawingml/2006/main" xmlns:r="http://schemas.openxmlformats.org/officeDocument/2006/relationships" xmlns:p="http://schemas.openxmlformats.org/presentationml/2006/main">
+  <p:cSld>
+    <p:spTree>
+      <p:nvGrpSpPr>
+        <p:cNvPr id="1" name=""/>
+        <p:cNvGrpSpPr/>
+        <p:nvPr/>
+      </p:nvGrpSpPr>
+      <p:grpSpPr>
+        <a:xfrm>
+          <a:off x="0" y="0"/>
+          <a:ext cx="0" cy="0"/>
+          <a:chOff x="0" y="0"/>
+          <a:chExt cx="0" cy="0"/>
+        </a:xfrm>
+      </p:grpSpPr>
+      <p:sp>
+        <p:nvSpPr>
+          <p:cNvPr id="2" name="Title 1"/>
+          <p:cNvSpPr>
+            <a:spLocks noGrp="1"/>
+          </p:cNvSpPr>
+          <p:nvPr>
+            <p:ph type="title"/>
+          </p:nvPr>
+        </p:nvSpPr>
+        <p:spPr/>
+        <p:txBody>
+          <a:bodyPr/>
+          <a:lstStyle/>
+          <a:p>
+            <a:r>
+              <a:rPr lang="zh-TW" altLang="en-US" dirty="0" smtClean="0"/>
+              <a:t>介面功能</a:t>
+            </a:r>
+            <a:endParaRPr lang="zh-TW" altLang="en-US" dirty="0"/>
+          </a:p>
+        </p:txBody>
+      </p:sp>
+      <p:sp>
+        <p:nvSpPr>
+          <p:cNvPr id="4" name="Footer Placeholder 3"/>
+          <p:cNvSpPr>
+            <a:spLocks noGrp="1"/>
+          </p:cNvSpPr>
+          <p:nvPr>
+            <p:ph type="ftr" sz="quarter" idx="11"/>
+          </p:nvPr>
+        </p:nvSpPr>
+        <p:spPr/>
+        <p:txBody>
+          <a:bodyPr/>
+          <a:lstStyle/>
+          <a:p>
+            <a:r>
+              <a:rPr lang="en-US" smtClean="0"/>
+              <a:t>Fundamental Imperative Programming: Scratch and Python</a:t>
+            </a:r>
+            <a:endParaRPr lang="en-US" dirty="0"/>
+          </a:p>
+        </p:txBody>
+      </p:sp>
+      <p:sp>
+        <p:nvSpPr>
+          <p:cNvPr id="5" name="Slide Number Placeholder 4"/>
+          <p:cNvSpPr>
+            <a:spLocks noGrp="1"/>
+          </p:cNvSpPr>
+          <p:nvPr>
+            <p:ph type="sldNum" sz="quarter" idx="12"/>
+          </p:nvPr>
+        </p:nvSpPr>
+        <p:spPr/>
+        <p:txBody>
+          <a:bodyPr/>
+          <a:lstStyle/>
+          <a:p>
+            <a:fld id="{8B32F77D-7D5C-49FA-A45E-9AA1DBA4A1E0}" type="slidenum">
+              <a:rPr lang="en-US" smtClean="0"/>
+              <a:t>17</a:t>
             </a:fld>
             <a:endParaRPr lang="en-US"/>
           </a:p>
@@ -5693,7 +6115,7 @@
 </p:sld>
 </file>
 
-<file path=ppt/slides/slide17.xml><?xml version="1.0" encoding="utf-8"?>
+<file path=ppt/slides/slide18.xml><?xml version="1.0" encoding="utf-8"?>
 <p:sld xmlns:a="http://schemas.openxmlformats.org/drawingml/2006/main" xmlns:r="http://schemas.openxmlformats.org/officeDocument/2006/relationships" xmlns:p="http://schemas.openxmlformats.org/presentationml/2006/main">
   <p:cSld>
     <p:spTree>
@@ -5776,7 +6198,7 @@
           <a:p>
             <a:fld id="{8B32F77D-7D5C-49FA-A45E-9AA1DBA4A1E0}" type="slidenum">
               <a:rPr lang="en-US" smtClean="0"/>
-              <a:t>17</a:t>
+              <a:t>18</a:t>
             </a:fld>
             <a:endParaRPr lang="en-US"/>
           </a:p>
